--- a/Schematy.pptx
+++ b/Schematy.pptx
@@ -8,6 +8,8 @@
     <p:sldId id="256" r:id="rId2"/>
     <p:sldId id="257" r:id="rId3"/>
     <p:sldId id="258" r:id="rId4"/>
+    <p:sldId id="259" r:id="rId5"/>
+    <p:sldId id="260" r:id="rId6"/>
   </p:sldIdLst>
   <p:sldSz cx="12192000" cy="6858000"/>
   <p:notesSz cx="6858000" cy="9144000"/>
@@ -106,6 +108,11 @@
       </a:defRPr>
     </a:lvl9pPr>
   </p:defaultTextStyle>
+  <p:extLst>
+    <p:ext uri="{EFAFB233-063F-42B5-8137-9DF3F51BA10A}">
+      <p15:sldGuideLst xmlns:p15="http://schemas.microsoft.com/office/powerpoint/2012/main"/>
+    </p:ext>
+  </p:extLst>
 </p:presentation>
 </file>
 
@@ -256,7 +263,7 @@
           <a:p>
             <a:fld id="{0204C711-CE3C-4497-8AE4-C967758B8FE0}" type="datetimeFigureOut">
               <a:rPr lang="pl-PL" smtClean="0"/>
-              <a:t>03.05.2022</a:t>
+              <a:t>22.05.2022</a:t>
             </a:fld>
             <a:endParaRPr lang="pl-PL"/>
           </a:p>
@@ -454,7 +461,7 @@
           <a:p>
             <a:fld id="{0204C711-CE3C-4497-8AE4-C967758B8FE0}" type="datetimeFigureOut">
               <a:rPr lang="pl-PL" smtClean="0"/>
-              <a:t>03.05.2022</a:t>
+              <a:t>22.05.2022</a:t>
             </a:fld>
             <a:endParaRPr lang="pl-PL"/>
           </a:p>
@@ -662,7 +669,7 @@
           <a:p>
             <a:fld id="{0204C711-CE3C-4497-8AE4-C967758B8FE0}" type="datetimeFigureOut">
               <a:rPr lang="pl-PL" smtClean="0"/>
-              <a:t>03.05.2022</a:t>
+              <a:t>22.05.2022</a:t>
             </a:fld>
             <a:endParaRPr lang="pl-PL"/>
           </a:p>
@@ -860,7 +867,7 @@
           <a:p>
             <a:fld id="{0204C711-CE3C-4497-8AE4-C967758B8FE0}" type="datetimeFigureOut">
               <a:rPr lang="pl-PL" smtClean="0"/>
-              <a:t>03.05.2022</a:t>
+              <a:t>22.05.2022</a:t>
             </a:fld>
             <a:endParaRPr lang="pl-PL"/>
           </a:p>
@@ -1135,7 +1142,7 @@
           <a:p>
             <a:fld id="{0204C711-CE3C-4497-8AE4-C967758B8FE0}" type="datetimeFigureOut">
               <a:rPr lang="pl-PL" smtClean="0"/>
-              <a:t>03.05.2022</a:t>
+              <a:t>22.05.2022</a:t>
             </a:fld>
             <a:endParaRPr lang="pl-PL"/>
           </a:p>
@@ -1400,7 +1407,7 @@
           <a:p>
             <a:fld id="{0204C711-CE3C-4497-8AE4-C967758B8FE0}" type="datetimeFigureOut">
               <a:rPr lang="pl-PL" smtClean="0"/>
-              <a:t>03.05.2022</a:t>
+              <a:t>22.05.2022</a:t>
             </a:fld>
             <a:endParaRPr lang="pl-PL"/>
           </a:p>
@@ -1812,7 +1819,7 @@
           <a:p>
             <a:fld id="{0204C711-CE3C-4497-8AE4-C967758B8FE0}" type="datetimeFigureOut">
               <a:rPr lang="pl-PL" smtClean="0"/>
-              <a:t>03.05.2022</a:t>
+              <a:t>22.05.2022</a:t>
             </a:fld>
             <a:endParaRPr lang="pl-PL"/>
           </a:p>
@@ -1953,7 +1960,7 @@
           <a:p>
             <a:fld id="{0204C711-CE3C-4497-8AE4-C967758B8FE0}" type="datetimeFigureOut">
               <a:rPr lang="pl-PL" smtClean="0"/>
-              <a:t>03.05.2022</a:t>
+              <a:t>22.05.2022</a:t>
             </a:fld>
             <a:endParaRPr lang="pl-PL"/>
           </a:p>
@@ -2066,7 +2073,7 @@
           <a:p>
             <a:fld id="{0204C711-CE3C-4497-8AE4-C967758B8FE0}" type="datetimeFigureOut">
               <a:rPr lang="pl-PL" smtClean="0"/>
-              <a:t>03.05.2022</a:t>
+              <a:t>22.05.2022</a:t>
             </a:fld>
             <a:endParaRPr lang="pl-PL"/>
           </a:p>
@@ -2377,7 +2384,7 @@
           <a:p>
             <a:fld id="{0204C711-CE3C-4497-8AE4-C967758B8FE0}" type="datetimeFigureOut">
               <a:rPr lang="pl-PL" smtClean="0"/>
-              <a:t>03.05.2022</a:t>
+              <a:t>22.05.2022</a:t>
             </a:fld>
             <a:endParaRPr lang="pl-PL"/>
           </a:p>
@@ -2665,7 +2672,7 @@
           <a:p>
             <a:fld id="{0204C711-CE3C-4497-8AE4-C967758B8FE0}" type="datetimeFigureOut">
               <a:rPr lang="pl-PL" smtClean="0"/>
-              <a:t>03.05.2022</a:t>
+              <a:t>22.05.2022</a:t>
             </a:fld>
             <a:endParaRPr lang="pl-PL"/>
           </a:p>
@@ -2906,7 +2913,7 @@
           <a:p>
             <a:fld id="{0204C711-CE3C-4497-8AE4-C967758B8FE0}" type="datetimeFigureOut">
               <a:rPr lang="pl-PL" smtClean="0"/>
-              <a:t>03.05.2022</a:t>
+              <a:t>22.05.2022</a:t>
             </a:fld>
             <a:endParaRPr lang="pl-PL"/>
           </a:p>
@@ -5230,6 +5237,960 @@
 </p:sld>
 </file>
 
+<file path=ppt/slides/slide4.xml><?xml version="1.0" encoding="utf-8"?>
+<p:sld xmlns:a="http://schemas.openxmlformats.org/drawingml/2006/main" xmlns:r="http://schemas.openxmlformats.org/officeDocument/2006/relationships" xmlns:p="http://schemas.openxmlformats.org/presentationml/2006/main">
+  <p:cSld>
+    <p:spTree>
+      <p:nvGrpSpPr>
+        <p:cNvPr id="1" name=""/>
+        <p:cNvGrpSpPr/>
+        <p:nvPr/>
+      </p:nvGrpSpPr>
+      <p:grpSpPr>
+        <a:xfrm>
+          <a:off x="0" y="0"/>
+          <a:ext cx="0" cy="0"/>
+          <a:chOff x="0" y="0"/>
+          <a:chExt cx="0" cy="0"/>
+        </a:xfrm>
+      </p:grpSpPr>
+      <p:sp>
+        <p:nvSpPr>
+          <p:cNvPr id="4" name="Prostokąt 3">
+            <a:extLst>
+              <a:ext uri="{FF2B5EF4-FFF2-40B4-BE49-F238E27FC236}">
+                <a16:creationId xmlns:a16="http://schemas.microsoft.com/office/drawing/2014/main" id="{78365F7A-E87B-BEBC-63CC-08B5FF6B27C9}"/>
+              </a:ext>
+            </a:extLst>
+          </p:cNvPr>
+          <p:cNvSpPr/>
+          <p:nvPr/>
+        </p:nvSpPr>
+        <p:spPr>
+          <a:xfrm>
+            <a:off x="4657474" y="769996"/>
+            <a:ext cx="2877052" cy="352926"/>
+          </a:xfrm>
+          <a:prstGeom prst="rect">
+            <a:avLst/>
+          </a:prstGeom>
+          <a:ln>
+            <a:headEnd type="none" w="med" len="med"/>
+            <a:tailEnd type="none" w="med" len="med"/>
+          </a:ln>
+          <a:effectLst>
+            <a:outerShdw blurRad="50800" dist="38100" dir="2700000" algn="tl" rotWithShape="0">
+              <a:prstClr val="black">
+                <a:alpha val="40000"/>
+              </a:prstClr>
+            </a:outerShdw>
+          </a:effectLst>
+        </p:spPr>
+        <p:style>
+          <a:lnRef idx="2">
+            <a:schemeClr val="dk1"/>
+          </a:lnRef>
+          <a:fillRef idx="1">
+            <a:schemeClr val="lt1"/>
+          </a:fillRef>
+          <a:effectRef idx="0">
+            <a:schemeClr val="dk1"/>
+          </a:effectRef>
+          <a:fontRef idx="minor">
+            <a:schemeClr val="dk1"/>
+          </a:fontRef>
+        </p:style>
+        <p:txBody>
+          <a:bodyPr rtlCol="0" anchor="ctr"/>
+          <a:lstStyle/>
+          <a:p>
+            <a:pPr algn="ctr"/>
+            <a:r>
+              <a:rPr lang="pl-PL" sz="1400" b="1" dirty="0"/>
+              <a:t>Aplikacje monolityczne</a:t>
+            </a:r>
+          </a:p>
+        </p:txBody>
+      </p:sp>
+      <p:sp>
+        <p:nvSpPr>
+          <p:cNvPr id="5" name="Prostokąt 4">
+            <a:extLst>
+              <a:ext uri="{FF2B5EF4-FFF2-40B4-BE49-F238E27FC236}">
+                <a16:creationId xmlns:a16="http://schemas.microsoft.com/office/drawing/2014/main" id="{54917EAC-0CD8-9EFE-DB3F-EA826885DD7E}"/>
+              </a:ext>
+            </a:extLst>
+          </p:cNvPr>
+          <p:cNvSpPr/>
+          <p:nvPr/>
+        </p:nvSpPr>
+        <p:spPr>
+          <a:xfrm>
+            <a:off x="1197970" y="1644453"/>
+            <a:ext cx="4712173" cy="2109792"/>
+          </a:xfrm>
+          <a:prstGeom prst="rect">
+            <a:avLst/>
+          </a:prstGeom>
+          <a:ln>
+            <a:headEnd type="none" w="med" len="med"/>
+            <a:tailEnd type="none" w="med" len="med"/>
+          </a:ln>
+          <a:effectLst>
+            <a:outerShdw blurRad="50800" dist="38100" dir="2700000" algn="tl" rotWithShape="0">
+              <a:prstClr val="black">
+                <a:alpha val="40000"/>
+              </a:prstClr>
+            </a:outerShdw>
+          </a:effectLst>
+        </p:spPr>
+        <p:style>
+          <a:lnRef idx="2">
+            <a:schemeClr val="dk1"/>
+          </a:lnRef>
+          <a:fillRef idx="1">
+            <a:schemeClr val="lt1"/>
+          </a:fillRef>
+          <a:effectRef idx="0">
+            <a:schemeClr val="dk1"/>
+          </a:effectRef>
+          <a:fontRef idx="minor">
+            <a:schemeClr val="dk1"/>
+          </a:fontRef>
+        </p:style>
+        <p:txBody>
+          <a:bodyPr rtlCol="0" anchor="t"/>
+          <a:lstStyle/>
+          <a:p>
+            <a:pPr algn="ctr"/>
+            <a:r>
+              <a:rPr lang="pl-PL" sz="1400" b="1" dirty="0"/>
+              <a:t>Zalety:</a:t>
+            </a:r>
+            <a:endParaRPr lang="pl-PL" sz="1400" dirty="0"/>
+          </a:p>
+          <a:p>
+            <a:pPr marL="285750" indent="-285750">
+              <a:buFont typeface="Arial" panose="020B0604020202020204" pitchFamily="34" charset="0"/>
+              <a:buChar char="•"/>
+            </a:pPr>
+            <a:r>
+              <a:rPr lang="pl-PL" sz="1400" dirty="0"/>
+              <a:t>łatwe w rozwoju</a:t>
+            </a:r>
+          </a:p>
+          <a:p>
+            <a:pPr marL="285750" indent="-285750">
+              <a:buFont typeface="Arial" panose="020B0604020202020204" pitchFamily="34" charset="0"/>
+              <a:buChar char="•"/>
+            </a:pPr>
+            <a:r>
+              <a:rPr lang="pl-PL" sz="1400" dirty="0"/>
+              <a:t>łatwe we wdrożeniu</a:t>
+            </a:r>
+          </a:p>
+          <a:p>
+            <a:pPr marL="285750" indent="-285750">
+              <a:buFont typeface="Arial" panose="020B0604020202020204" pitchFamily="34" charset="0"/>
+              <a:buChar char="•"/>
+            </a:pPr>
+            <a:r>
+              <a:rPr lang="pl-PL" sz="1400" dirty="0"/>
+              <a:t>łatwe monitorowanie i testy end-to-end</a:t>
+            </a:r>
+          </a:p>
+          <a:p>
+            <a:pPr marL="285750" indent="-285750">
+              <a:buFont typeface="Arial" panose="020B0604020202020204" pitchFamily="34" charset="0"/>
+              <a:buChar char="•"/>
+            </a:pPr>
+            <a:r>
+              <a:rPr lang="pl-PL" sz="1400" dirty="0"/>
+              <a:t>szybka i niezawodna komunikacja pomiędzy warstwami systemu</a:t>
+            </a:r>
+          </a:p>
+          <a:p>
+            <a:pPr marL="285750" indent="-285750">
+              <a:buFont typeface="Arial" panose="020B0604020202020204" pitchFamily="34" charset="0"/>
+              <a:buChar char="•"/>
+            </a:pPr>
+            <a:r>
+              <a:rPr lang="pl-PL" sz="1400" dirty="0"/>
+              <a:t>większe bezpieczeństwo ze względu na brak komunikacji pomiędzy rozproszonymi elementami systemu</a:t>
+            </a:r>
+          </a:p>
+          <a:p>
+            <a:pPr marL="285750" indent="-285750">
+              <a:buFont typeface="Arial" panose="020B0604020202020204" pitchFamily="34" charset="0"/>
+              <a:buChar char="•"/>
+            </a:pPr>
+            <a:r>
+              <a:rPr lang="pl-PL" sz="1400" dirty="0"/>
+              <a:t>transakcyjność w rozumieniu ACID.</a:t>
+            </a:r>
+          </a:p>
+          <a:p>
+            <a:pPr marL="285750" indent="-285750">
+              <a:buFont typeface="Arial" panose="020B0604020202020204" pitchFamily="34" charset="0"/>
+              <a:buChar char="•"/>
+            </a:pPr>
+            <a:endParaRPr lang="pl-PL" sz="1400" dirty="0"/>
+          </a:p>
+          <a:p>
+            <a:endParaRPr lang="pl-PL" dirty="0"/>
+          </a:p>
+        </p:txBody>
+      </p:sp>
+      <p:sp>
+        <p:nvSpPr>
+          <p:cNvPr id="6" name="Prostokąt 5">
+            <a:extLst>
+              <a:ext uri="{FF2B5EF4-FFF2-40B4-BE49-F238E27FC236}">
+                <a16:creationId xmlns:a16="http://schemas.microsoft.com/office/drawing/2014/main" id="{52139550-B8DD-75A1-8B54-CF3191442DE1}"/>
+              </a:ext>
+            </a:extLst>
+          </p:cNvPr>
+          <p:cNvSpPr/>
+          <p:nvPr/>
+        </p:nvSpPr>
+        <p:spPr>
+          <a:xfrm>
+            <a:off x="6281859" y="1644453"/>
+            <a:ext cx="4572048" cy="2109792"/>
+          </a:xfrm>
+          <a:prstGeom prst="rect">
+            <a:avLst/>
+          </a:prstGeom>
+          <a:ln>
+            <a:headEnd type="none" w="med" len="med"/>
+            <a:tailEnd type="none" w="med" len="med"/>
+          </a:ln>
+          <a:effectLst>
+            <a:outerShdw blurRad="50800" dist="38100" dir="2700000" algn="tl" rotWithShape="0">
+              <a:prstClr val="black">
+                <a:alpha val="40000"/>
+              </a:prstClr>
+            </a:outerShdw>
+          </a:effectLst>
+        </p:spPr>
+        <p:style>
+          <a:lnRef idx="2">
+            <a:schemeClr val="dk1"/>
+          </a:lnRef>
+          <a:fillRef idx="1">
+            <a:schemeClr val="lt1"/>
+          </a:fillRef>
+          <a:effectRef idx="0">
+            <a:schemeClr val="dk1"/>
+          </a:effectRef>
+          <a:fontRef idx="minor">
+            <a:schemeClr val="dk1"/>
+          </a:fontRef>
+        </p:style>
+        <p:txBody>
+          <a:bodyPr rtlCol="0" anchor="t"/>
+          <a:lstStyle/>
+          <a:p>
+            <a:pPr algn="ctr"/>
+            <a:r>
+              <a:rPr lang="pl-PL" sz="1400" b="1" dirty="0"/>
+              <a:t>Wady:</a:t>
+            </a:r>
+          </a:p>
+          <a:p>
+            <a:pPr marL="285750" indent="-285750">
+              <a:buFont typeface="Arial" panose="020B0604020202020204" pitchFamily="34" charset="0"/>
+              <a:buChar char="•"/>
+            </a:pPr>
+            <a:r>
+              <a:rPr lang="pl-PL" sz="1400" dirty="0"/>
+              <a:t>ograniczona skalowalność</a:t>
+            </a:r>
+          </a:p>
+          <a:p>
+            <a:pPr marL="285750" indent="-285750">
+              <a:buFont typeface="Arial" panose="020B0604020202020204" pitchFamily="34" charset="0"/>
+              <a:buChar char="•"/>
+            </a:pPr>
+            <a:r>
+              <a:rPr lang="pl-PL" sz="1400" dirty="0"/>
+              <a:t>niska odporność na błędy (jeden błąd może spowodować awarie całego systemu)z</a:t>
+            </a:r>
+          </a:p>
+          <a:p>
+            <a:pPr marL="285750" indent="-285750">
+              <a:buFont typeface="Arial" panose="020B0604020202020204" pitchFamily="34" charset="0"/>
+              <a:buChar char="•"/>
+            </a:pPr>
+            <a:r>
+              <a:rPr lang="pl-PL" sz="1400" dirty="0"/>
+              <a:t>trudniejsze i kosztowniejsze utrzymanie aplikacji</a:t>
+            </a:r>
+          </a:p>
+          <a:p>
+            <a:pPr marL="285750" indent="-285750">
+              <a:buFont typeface="Arial" panose="020B0604020202020204" pitchFamily="34" charset="0"/>
+              <a:buChar char="•"/>
+            </a:pPr>
+            <a:r>
+              <a:rPr lang="pl-PL" sz="1400" dirty="0"/>
+              <a:t>niższa dostępność (konieczne ponowne wdrożenie aplikacji przy każdej aktualizacji).</a:t>
+            </a:r>
+          </a:p>
+        </p:txBody>
+      </p:sp>
+      <p:cxnSp>
+        <p:nvCxnSpPr>
+          <p:cNvPr id="10" name="Łącznik prosty 9">
+            <a:extLst>
+              <a:ext uri="{FF2B5EF4-FFF2-40B4-BE49-F238E27FC236}">
+                <a16:creationId xmlns:a16="http://schemas.microsoft.com/office/drawing/2014/main" id="{C80F4587-657A-2911-9D9F-9370480ED8A1}"/>
+              </a:ext>
+            </a:extLst>
+          </p:cNvPr>
+          <p:cNvCxnSpPr/>
+          <p:nvPr/>
+        </p:nvCxnSpPr>
+        <p:spPr>
+          <a:xfrm>
+            <a:off x="6087977" y="1122928"/>
+            <a:ext cx="0" cy="272715"/>
+          </a:xfrm>
+          <a:prstGeom prst="line">
+            <a:avLst/>
+          </a:prstGeom>
+        </p:spPr>
+        <p:style>
+          <a:lnRef idx="3">
+            <a:schemeClr val="dk1"/>
+          </a:lnRef>
+          <a:fillRef idx="0">
+            <a:schemeClr val="dk1"/>
+          </a:fillRef>
+          <a:effectRef idx="2">
+            <a:schemeClr val="dk1"/>
+          </a:effectRef>
+          <a:fontRef idx="minor">
+            <a:schemeClr val="tx1"/>
+          </a:fontRef>
+        </p:style>
+      </p:cxnSp>
+      <p:cxnSp>
+        <p:nvCxnSpPr>
+          <p:cNvPr id="12" name="Łącznik prosty 11">
+            <a:extLst>
+              <a:ext uri="{FF2B5EF4-FFF2-40B4-BE49-F238E27FC236}">
+                <a16:creationId xmlns:a16="http://schemas.microsoft.com/office/drawing/2014/main" id="{7374F43C-31E4-D8A4-0B9A-9249BABC84AD}"/>
+              </a:ext>
+            </a:extLst>
+          </p:cNvPr>
+          <p:cNvCxnSpPr>
+            <a:cxnSpLocks/>
+          </p:cNvCxnSpPr>
+          <p:nvPr/>
+        </p:nvCxnSpPr>
+        <p:spPr>
+          <a:xfrm flipH="1" flipV="1">
+            <a:off x="3539723" y="1395643"/>
+            <a:ext cx="5028160" cy="7434"/>
+          </a:xfrm>
+          <a:prstGeom prst="line">
+            <a:avLst/>
+          </a:prstGeom>
+        </p:spPr>
+        <p:style>
+          <a:lnRef idx="2">
+            <a:schemeClr val="dk1"/>
+          </a:lnRef>
+          <a:fillRef idx="0">
+            <a:schemeClr val="dk1"/>
+          </a:fillRef>
+          <a:effectRef idx="1">
+            <a:schemeClr val="dk1"/>
+          </a:effectRef>
+          <a:fontRef idx="minor">
+            <a:schemeClr val="tx1"/>
+          </a:fontRef>
+        </p:style>
+      </p:cxnSp>
+      <p:cxnSp>
+        <p:nvCxnSpPr>
+          <p:cNvPr id="17" name="Łącznik prosty 16">
+            <a:extLst>
+              <a:ext uri="{FF2B5EF4-FFF2-40B4-BE49-F238E27FC236}">
+                <a16:creationId xmlns:a16="http://schemas.microsoft.com/office/drawing/2014/main" id="{42DD0ABE-6081-58E4-2B77-F9751723319D}"/>
+              </a:ext>
+            </a:extLst>
+          </p:cNvPr>
+          <p:cNvCxnSpPr>
+            <a:cxnSpLocks/>
+          </p:cNvCxnSpPr>
+          <p:nvPr/>
+        </p:nvCxnSpPr>
+        <p:spPr>
+          <a:xfrm>
+            <a:off x="3539723" y="1403386"/>
+            <a:ext cx="0" cy="241067"/>
+          </a:xfrm>
+          <a:prstGeom prst="line">
+            <a:avLst/>
+          </a:prstGeom>
+        </p:spPr>
+        <p:style>
+          <a:lnRef idx="2">
+            <a:schemeClr val="dk1"/>
+          </a:lnRef>
+          <a:fillRef idx="0">
+            <a:schemeClr val="dk1"/>
+          </a:fillRef>
+          <a:effectRef idx="1">
+            <a:schemeClr val="dk1"/>
+          </a:effectRef>
+          <a:fontRef idx="minor">
+            <a:schemeClr val="tx1"/>
+          </a:fontRef>
+        </p:style>
+      </p:cxnSp>
+      <p:cxnSp>
+        <p:nvCxnSpPr>
+          <p:cNvPr id="23" name="Łącznik prosty 22">
+            <a:extLst>
+              <a:ext uri="{FF2B5EF4-FFF2-40B4-BE49-F238E27FC236}">
+                <a16:creationId xmlns:a16="http://schemas.microsoft.com/office/drawing/2014/main" id="{38940D9F-251A-A8DF-6453-DF3B2B9FCFC9}"/>
+              </a:ext>
+            </a:extLst>
+          </p:cNvPr>
+          <p:cNvCxnSpPr>
+            <a:cxnSpLocks/>
+          </p:cNvCxnSpPr>
+          <p:nvPr/>
+        </p:nvCxnSpPr>
+        <p:spPr>
+          <a:xfrm>
+            <a:off x="8567883" y="1403239"/>
+            <a:ext cx="0" cy="233780"/>
+          </a:xfrm>
+          <a:prstGeom prst="line">
+            <a:avLst/>
+          </a:prstGeom>
+        </p:spPr>
+        <p:style>
+          <a:lnRef idx="2">
+            <a:schemeClr val="dk1"/>
+          </a:lnRef>
+          <a:fillRef idx="0">
+            <a:schemeClr val="dk1"/>
+          </a:fillRef>
+          <a:effectRef idx="1">
+            <a:schemeClr val="dk1"/>
+          </a:effectRef>
+          <a:fontRef idx="minor">
+            <a:schemeClr val="tx1"/>
+          </a:fontRef>
+        </p:style>
+      </p:cxnSp>
+    </p:spTree>
+    <p:extLst>
+      <p:ext uri="{BB962C8B-B14F-4D97-AF65-F5344CB8AC3E}">
+        <p14:creationId xmlns:p14="http://schemas.microsoft.com/office/powerpoint/2010/main" val="3342301969"/>
+      </p:ext>
+    </p:extLst>
+  </p:cSld>
+  <p:clrMapOvr>
+    <a:masterClrMapping/>
+  </p:clrMapOvr>
+</p:sld>
+</file>
+
+<file path=ppt/slides/slide5.xml><?xml version="1.0" encoding="utf-8"?>
+<p:sld xmlns:a="http://schemas.openxmlformats.org/drawingml/2006/main" xmlns:r="http://schemas.openxmlformats.org/officeDocument/2006/relationships" xmlns:p="http://schemas.openxmlformats.org/presentationml/2006/main">
+  <p:cSld>
+    <p:spTree>
+      <p:nvGrpSpPr>
+        <p:cNvPr id="1" name=""/>
+        <p:cNvGrpSpPr/>
+        <p:nvPr/>
+      </p:nvGrpSpPr>
+      <p:grpSpPr>
+        <a:xfrm>
+          <a:off x="0" y="0"/>
+          <a:ext cx="0" cy="0"/>
+          <a:chOff x="0" y="0"/>
+          <a:chExt cx="0" cy="0"/>
+        </a:xfrm>
+      </p:grpSpPr>
+      <p:sp>
+        <p:nvSpPr>
+          <p:cNvPr id="4" name="Prostokąt 3">
+            <a:extLst>
+              <a:ext uri="{FF2B5EF4-FFF2-40B4-BE49-F238E27FC236}">
+                <a16:creationId xmlns:a16="http://schemas.microsoft.com/office/drawing/2014/main" id="{78365F7A-E87B-BEBC-63CC-08B5FF6B27C9}"/>
+              </a:ext>
+            </a:extLst>
+          </p:cNvPr>
+          <p:cNvSpPr/>
+          <p:nvPr/>
+        </p:nvSpPr>
+        <p:spPr>
+          <a:xfrm>
+            <a:off x="4657474" y="769996"/>
+            <a:ext cx="2877052" cy="352926"/>
+          </a:xfrm>
+          <a:prstGeom prst="rect">
+            <a:avLst/>
+          </a:prstGeom>
+          <a:ln>
+            <a:headEnd type="none" w="med" len="med"/>
+            <a:tailEnd type="none" w="med" len="med"/>
+          </a:ln>
+          <a:effectLst>
+            <a:outerShdw blurRad="50800" dist="38100" dir="2700000" algn="tl" rotWithShape="0">
+              <a:prstClr val="black">
+                <a:alpha val="40000"/>
+              </a:prstClr>
+            </a:outerShdw>
+          </a:effectLst>
+        </p:spPr>
+        <p:style>
+          <a:lnRef idx="2">
+            <a:schemeClr val="dk1"/>
+          </a:lnRef>
+          <a:fillRef idx="1">
+            <a:schemeClr val="lt1"/>
+          </a:fillRef>
+          <a:effectRef idx="0">
+            <a:schemeClr val="dk1"/>
+          </a:effectRef>
+          <a:fontRef idx="minor">
+            <a:schemeClr val="dk1"/>
+          </a:fontRef>
+        </p:style>
+        <p:txBody>
+          <a:bodyPr rtlCol="0" anchor="ctr"/>
+          <a:lstStyle/>
+          <a:p>
+            <a:pPr algn="ctr"/>
+            <a:r>
+              <a:rPr lang="pl-PL" sz="1400" b="1" dirty="0"/>
+              <a:t>Aplikacje </a:t>
+            </a:r>
+            <a:r>
+              <a:rPr lang="pl-PL" sz="1400" b="1" dirty="0" err="1"/>
+              <a:t>mikroserwisowe</a:t>
+            </a:r>
+            <a:endParaRPr lang="pl-PL" sz="1400" b="1" dirty="0"/>
+          </a:p>
+        </p:txBody>
+      </p:sp>
+      <p:sp>
+        <p:nvSpPr>
+          <p:cNvPr id="5" name="Prostokąt 4">
+            <a:extLst>
+              <a:ext uri="{FF2B5EF4-FFF2-40B4-BE49-F238E27FC236}">
+                <a16:creationId xmlns:a16="http://schemas.microsoft.com/office/drawing/2014/main" id="{54917EAC-0CD8-9EFE-DB3F-EA826885DD7E}"/>
+              </a:ext>
+            </a:extLst>
+          </p:cNvPr>
+          <p:cNvSpPr/>
+          <p:nvPr/>
+        </p:nvSpPr>
+        <p:spPr>
+          <a:xfrm>
+            <a:off x="1197970" y="1644453"/>
+            <a:ext cx="4712173" cy="3158006"/>
+          </a:xfrm>
+          <a:prstGeom prst="rect">
+            <a:avLst/>
+          </a:prstGeom>
+          <a:ln>
+            <a:headEnd type="none" w="med" len="med"/>
+            <a:tailEnd type="none" w="med" len="med"/>
+          </a:ln>
+          <a:effectLst>
+            <a:outerShdw blurRad="50800" dist="38100" dir="2700000" algn="tl" rotWithShape="0">
+              <a:prstClr val="black">
+                <a:alpha val="40000"/>
+              </a:prstClr>
+            </a:outerShdw>
+          </a:effectLst>
+        </p:spPr>
+        <p:style>
+          <a:lnRef idx="2">
+            <a:schemeClr val="dk1"/>
+          </a:lnRef>
+          <a:fillRef idx="1">
+            <a:schemeClr val="lt1"/>
+          </a:fillRef>
+          <a:effectRef idx="0">
+            <a:schemeClr val="dk1"/>
+          </a:effectRef>
+          <a:fontRef idx="minor">
+            <a:schemeClr val="dk1"/>
+          </a:fontRef>
+        </p:style>
+        <p:txBody>
+          <a:bodyPr rtlCol="0" anchor="t"/>
+          <a:lstStyle/>
+          <a:p>
+            <a:pPr algn="ctr"/>
+            <a:r>
+              <a:rPr lang="pl-PL" sz="1400" b="1" dirty="0"/>
+              <a:t>Zalety:</a:t>
+            </a:r>
+            <a:endParaRPr lang="pl-PL" sz="1400" dirty="0"/>
+          </a:p>
+          <a:p>
+            <a:pPr marL="285750" indent="-285750">
+              <a:buFont typeface="Arial" panose="020B0604020202020204" pitchFamily="34" charset="0"/>
+              <a:buChar char="•"/>
+            </a:pPr>
+            <a:r>
+              <a:rPr lang="pl-PL" sz="1400" dirty="0"/>
+              <a:t>łatwa skalowalność</a:t>
+            </a:r>
+          </a:p>
+          <a:p>
+            <a:pPr marL="285750" indent="-285750">
+              <a:buFont typeface="Arial" panose="020B0604020202020204" pitchFamily="34" charset="0"/>
+              <a:buChar char="•"/>
+            </a:pPr>
+            <a:r>
+              <a:rPr lang="pl-PL" sz="1400" dirty="0"/>
+              <a:t>większa odporność na błędy (błąd w jednym serwisie nie spowoduje błędu całej aplikacji),</a:t>
+            </a:r>
+          </a:p>
+          <a:p>
+            <a:pPr marL="285750" indent="-285750">
+              <a:buFont typeface="Arial" panose="020B0604020202020204" pitchFamily="34" charset="0"/>
+              <a:buChar char="•"/>
+            </a:pPr>
+            <a:r>
+              <a:rPr lang="pl-PL" sz="1400" dirty="0"/>
+              <a:t>łatwe w utrzymaniu (ze względu na podzielenie na mniejsze, łatwiejsze do zrozumienia części),</a:t>
+            </a:r>
+          </a:p>
+          <a:p>
+            <a:pPr marL="285750" indent="-285750">
+              <a:buFont typeface="Arial" panose="020B0604020202020204" pitchFamily="34" charset="0"/>
+              <a:buChar char="•"/>
+            </a:pPr>
+            <a:r>
+              <a:rPr lang="pl-PL" sz="1400" dirty="0"/>
+              <a:t>wysoka dostępność (ponowne wdrożenie </a:t>
+            </a:r>
+            <a:r>
+              <a:rPr lang="pl-PL" sz="1400" dirty="0" err="1"/>
+              <a:t>mikroserwisu</a:t>
+            </a:r>
+            <a:r>
+              <a:rPr lang="pl-PL" sz="1400" dirty="0"/>
+              <a:t> po aktualizacji dzięki konteneryzacji nie wymaga długiego czasu przestoju),</a:t>
+            </a:r>
+          </a:p>
+          <a:p>
+            <a:pPr marL="285750" indent="-285750">
+              <a:buFont typeface="Arial" panose="020B0604020202020204" pitchFamily="34" charset="0"/>
+              <a:buChar char="•"/>
+            </a:pPr>
+            <a:r>
+              <a:rPr lang="pl-PL" sz="1400" dirty="0"/>
+              <a:t>łatwe w integracji z zewnętrznymi systemami dzięki wykorzystaniu  API,</a:t>
+            </a:r>
+          </a:p>
+          <a:p>
+            <a:pPr marL="285750" indent="-285750">
+              <a:buFont typeface="Arial" panose="020B0604020202020204" pitchFamily="34" charset="0"/>
+              <a:buChar char="•"/>
+            </a:pPr>
+            <a:r>
+              <a:rPr lang="pl-PL" sz="1400" dirty="0"/>
+              <a:t>możliwość rozwoju po przez dodawanie nowych </a:t>
+            </a:r>
+            <a:r>
+              <a:rPr lang="pl-PL" sz="1400" dirty="0" err="1"/>
+              <a:t>mikroserwisów</a:t>
+            </a:r>
+            <a:r>
+              <a:rPr lang="pl-PL" sz="1400" dirty="0"/>
+              <a:t> lub wymianę istniejących, bez wpływu na pozostałe.</a:t>
+            </a:r>
+          </a:p>
+        </p:txBody>
+      </p:sp>
+      <p:sp>
+        <p:nvSpPr>
+          <p:cNvPr id="6" name="Prostokąt 5">
+            <a:extLst>
+              <a:ext uri="{FF2B5EF4-FFF2-40B4-BE49-F238E27FC236}">
+                <a16:creationId xmlns:a16="http://schemas.microsoft.com/office/drawing/2014/main" id="{52139550-B8DD-75A1-8B54-CF3191442DE1}"/>
+              </a:ext>
+            </a:extLst>
+          </p:cNvPr>
+          <p:cNvSpPr/>
+          <p:nvPr/>
+        </p:nvSpPr>
+        <p:spPr>
+          <a:xfrm>
+            <a:off x="6281859" y="1644453"/>
+            <a:ext cx="4572048" cy="3150572"/>
+          </a:xfrm>
+          <a:prstGeom prst="rect">
+            <a:avLst/>
+          </a:prstGeom>
+          <a:ln>
+            <a:headEnd type="none" w="med" len="med"/>
+            <a:tailEnd type="none" w="med" len="med"/>
+          </a:ln>
+          <a:effectLst>
+            <a:outerShdw blurRad="50800" dist="38100" dir="2700000" algn="tl" rotWithShape="0">
+              <a:prstClr val="black">
+                <a:alpha val="40000"/>
+              </a:prstClr>
+            </a:outerShdw>
+          </a:effectLst>
+        </p:spPr>
+        <p:style>
+          <a:lnRef idx="2">
+            <a:schemeClr val="dk1"/>
+          </a:lnRef>
+          <a:fillRef idx="1">
+            <a:schemeClr val="lt1"/>
+          </a:fillRef>
+          <a:effectRef idx="0">
+            <a:schemeClr val="dk1"/>
+          </a:effectRef>
+          <a:fontRef idx="minor">
+            <a:schemeClr val="dk1"/>
+          </a:fontRef>
+        </p:style>
+        <p:txBody>
+          <a:bodyPr rtlCol="0" anchor="t"/>
+          <a:lstStyle/>
+          <a:p>
+            <a:pPr algn="ctr"/>
+            <a:r>
+              <a:rPr lang="pl-PL" sz="1400" b="1" dirty="0"/>
+              <a:t>Wady:</a:t>
+            </a:r>
+          </a:p>
+          <a:p>
+            <a:pPr marL="285750" indent="-285750">
+              <a:buFont typeface="Arial" panose="020B0604020202020204" pitchFamily="34" charset="0"/>
+              <a:buChar char="•"/>
+            </a:pPr>
+            <a:r>
+              <a:rPr lang="pl-PL" sz="1400" dirty="0"/>
+              <a:t>bardziej skomplikowane wdrożenie</a:t>
+            </a:r>
+          </a:p>
+          <a:p>
+            <a:pPr marL="285750" indent="-285750">
+              <a:buFont typeface="Arial" panose="020B0604020202020204" pitchFamily="34" charset="0"/>
+              <a:buChar char="•"/>
+            </a:pPr>
+            <a:r>
+              <a:rPr lang="pl-PL" sz="1400" dirty="0"/>
+              <a:t>trudność w zapewnieniu integralności danych oraz transakcyjności (</a:t>
+            </a:r>
+            <a:r>
+              <a:rPr lang="pl-PL" sz="1400" dirty="0" err="1"/>
+              <a:t>mikroserwisy</a:t>
+            </a:r>
+            <a:r>
+              <a:rPr lang="pl-PL" sz="1400" dirty="0"/>
+              <a:t> posiadają swoje własne bazy danych)</a:t>
+            </a:r>
+          </a:p>
+          <a:p>
+            <a:pPr marL="285750" indent="-285750">
+              <a:buFont typeface="Arial" panose="020B0604020202020204" pitchFamily="34" charset="0"/>
+              <a:buChar char="•"/>
+            </a:pPr>
+            <a:r>
+              <a:rPr lang="pl-PL" sz="1400" dirty="0"/>
+              <a:t>trudniejsze zapewnienie bezpieczeństwa, spowodowane koniecznością zabezpieczenia komunikacji pomiędzy </a:t>
+            </a:r>
+            <a:r>
+              <a:rPr lang="pl-PL" sz="1400" dirty="0" err="1"/>
+              <a:t>mikroserwisami</a:t>
+            </a:r>
+            <a:endParaRPr lang="pl-PL" sz="1400" dirty="0"/>
+          </a:p>
+          <a:p>
+            <a:pPr marL="285750" indent="-285750">
+              <a:buFont typeface="Arial" panose="020B0604020202020204" pitchFamily="34" charset="0"/>
+              <a:buChar char="•"/>
+            </a:pPr>
+            <a:r>
+              <a:rPr lang="pl-PL" sz="1400" dirty="0"/>
+              <a:t>trudniejsze wprowadzanie zmian obejmujących swoim zakresem wiele usług</a:t>
+            </a:r>
+          </a:p>
+        </p:txBody>
+      </p:sp>
+      <p:cxnSp>
+        <p:nvCxnSpPr>
+          <p:cNvPr id="10" name="Łącznik prosty 9">
+            <a:extLst>
+              <a:ext uri="{FF2B5EF4-FFF2-40B4-BE49-F238E27FC236}">
+                <a16:creationId xmlns:a16="http://schemas.microsoft.com/office/drawing/2014/main" id="{C80F4587-657A-2911-9D9F-9370480ED8A1}"/>
+              </a:ext>
+            </a:extLst>
+          </p:cNvPr>
+          <p:cNvCxnSpPr/>
+          <p:nvPr/>
+        </p:nvCxnSpPr>
+        <p:spPr>
+          <a:xfrm>
+            <a:off x="6087977" y="1122928"/>
+            <a:ext cx="0" cy="272715"/>
+          </a:xfrm>
+          <a:prstGeom prst="line">
+            <a:avLst/>
+          </a:prstGeom>
+        </p:spPr>
+        <p:style>
+          <a:lnRef idx="3">
+            <a:schemeClr val="dk1"/>
+          </a:lnRef>
+          <a:fillRef idx="0">
+            <a:schemeClr val="dk1"/>
+          </a:fillRef>
+          <a:effectRef idx="2">
+            <a:schemeClr val="dk1"/>
+          </a:effectRef>
+          <a:fontRef idx="minor">
+            <a:schemeClr val="tx1"/>
+          </a:fontRef>
+        </p:style>
+      </p:cxnSp>
+      <p:cxnSp>
+        <p:nvCxnSpPr>
+          <p:cNvPr id="12" name="Łącznik prosty 11">
+            <a:extLst>
+              <a:ext uri="{FF2B5EF4-FFF2-40B4-BE49-F238E27FC236}">
+                <a16:creationId xmlns:a16="http://schemas.microsoft.com/office/drawing/2014/main" id="{7374F43C-31E4-D8A4-0B9A-9249BABC84AD}"/>
+              </a:ext>
+            </a:extLst>
+          </p:cNvPr>
+          <p:cNvCxnSpPr>
+            <a:cxnSpLocks/>
+          </p:cNvCxnSpPr>
+          <p:nvPr/>
+        </p:nvCxnSpPr>
+        <p:spPr>
+          <a:xfrm flipH="1" flipV="1">
+            <a:off x="3539723" y="1395643"/>
+            <a:ext cx="5028160" cy="7434"/>
+          </a:xfrm>
+          <a:prstGeom prst="line">
+            <a:avLst/>
+          </a:prstGeom>
+        </p:spPr>
+        <p:style>
+          <a:lnRef idx="2">
+            <a:schemeClr val="dk1"/>
+          </a:lnRef>
+          <a:fillRef idx="0">
+            <a:schemeClr val="dk1"/>
+          </a:fillRef>
+          <a:effectRef idx="1">
+            <a:schemeClr val="dk1"/>
+          </a:effectRef>
+          <a:fontRef idx="minor">
+            <a:schemeClr val="tx1"/>
+          </a:fontRef>
+        </p:style>
+      </p:cxnSp>
+      <p:cxnSp>
+        <p:nvCxnSpPr>
+          <p:cNvPr id="17" name="Łącznik prosty 16">
+            <a:extLst>
+              <a:ext uri="{FF2B5EF4-FFF2-40B4-BE49-F238E27FC236}">
+                <a16:creationId xmlns:a16="http://schemas.microsoft.com/office/drawing/2014/main" id="{42DD0ABE-6081-58E4-2B77-F9751723319D}"/>
+              </a:ext>
+            </a:extLst>
+          </p:cNvPr>
+          <p:cNvCxnSpPr>
+            <a:cxnSpLocks/>
+          </p:cNvCxnSpPr>
+          <p:nvPr/>
+        </p:nvCxnSpPr>
+        <p:spPr>
+          <a:xfrm>
+            <a:off x="3539723" y="1403386"/>
+            <a:ext cx="0" cy="241067"/>
+          </a:xfrm>
+          <a:prstGeom prst="line">
+            <a:avLst/>
+          </a:prstGeom>
+        </p:spPr>
+        <p:style>
+          <a:lnRef idx="2">
+            <a:schemeClr val="dk1"/>
+          </a:lnRef>
+          <a:fillRef idx="0">
+            <a:schemeClr val="dk1"/>
+          </a:fillRef>
+          <a:effectRef idx="1">
+            <a:schemeClr val="dk1"/>
+          </a:effectRef>
+          <a:fontRef idx="minor">
+            <a:schemeClr val="tx1"/>
+          </a:fontRef>
+        </p:style>
+      </p:cxnSp>
+      <p:cxnSp>
+        <p:nvCxnSpPr>
+          <p:cNvPr id="23" name="Łącznik prosty 22">
+            <a:extLst>
+              <a:ext uri="{FF2B5EF4-FFF2-40B4-BE49-F238E27FC236}">
+                <a16:creationId xmlns:a16="http://schemas.microsoft.com/office/drawing/2014/main" id="{38940D9F-251A-A8DF-6453-DF3B2B9FCFC9}"/>
+              </a:ext>
+            </a:extLst>
+          </p:cNvPr>
+          <p:cNvCxnSpPr>
+            <a:cxnSpLocks/>
+          </p:cNvCxnSpPr>
+          <p:nvPr/>
+        </p:nvCxnSpPr>
+        <p:spPr>
+          <a:xfrm>
+            <a:off x="8567883" y="1403239"/>
+            <a:ext cx="0" cy="233780"/>
+          </a:xfrm>
+          <a:prstGeom prst="line">
+            <a:avLst/>
+          </a:prstGeom>
+        </p:spPr>
+        <p:style>
+          <a:lnRef idx="2">
+            <a:schemeClr val="dk1"/>
+          </a:lnRef>
+          <a:fillRef idx="0">
+            <a:schemeClr val="dk1"/>
+          </a:fillRef>
+          <a:effectRef idx="1">
+            <a:schemeClr val="dk1"/>
+          </a:effectRef>
+          <a:fontRef idx="minor">
+            <a:schemeClr val="tx1"/>
+          </a:fontRef>
+        </p:style>
+      </p:cxnSp>
+    </p:spTree>
+    <p:extLst>
+      <p:ext uri="{BB962C8B-B14F-4D97-AF65-F5344CB8AC3E}">
+        <p14:creationId xmlns:p14="http://schemas.microsoft.com/office/powerpoint/2010/main" val="459650601"/>
+      </p:ext>
+    </p:extLst>
+  </p:cSld>
+  <p:clrMapOvr>
+    <a:masterClrMapping/>
+  </p:clrMapOvr>
+</p:sld>
+</file>
+
 <file path=ppt/theme/theme1.xml><?xml version="1.0" encoding="utf-8"?>
 <a:theme xmlns:a="http://schemas.openxmlformats.org/drawingml/2006/main" name="Motyw pakietu Office">
   <a:themeElements>
